--- a/docs/CVFlorenceLegrand.pptx
+++ b/docs/CVFlorenceLegrand.pptx
@@ -106,7 +106,7 @@
   </p:defaultTextStyle>
   <p:extLst>
     <p:ext uri="{EFAFB233-063F-42B5-8137-9DF3F51BA10A}">
-      <p15:sldGuideLst xmlns="" xmlns:p15="http://schemas.microsoft.com/office/powerpoint/2012/main"/>
+      <p15:sldGuideLst xmlns:p15="http://schemas.microsoft.com/office/powerpoint/2012/main" xmlns=""/>
     </p:ext>
   </p:extLst>
 </p:presentation>
@@ -3029,7 +3029,7 @@
           <p:nvPr>
             <p:extLst>
               <p:ext uri="{D42A27DB-BD31-4B8C-83A1-F6EECF244321}">
-                <p14:modId xmlns:p14="http://schemas.microsoft.com/office/powerpoint/2010/main" val="1039400318"/>
+                <p14:modId xmlns:p14="http://schemas.microsoft.com/office/powerpoint/2010/main" val="2846380931"/>
               </p:ext>
             </p:extLst>
           </p:nvPr>
@@ -4580,7 +4580,7 @@
           <p:nvPr>
             <p:extLst>
               <p:ext uri="{D42A27DB-BD31-4B8C-83A1-F6EECF244321}">
-                <p14:modId xmlns:p14="http://schemas.microsoft.com/office/powerpoint/2010/main" val="1303773029"/>
+                <p14:modId xmlns:p14="http://schemas.microsoft.com/office/powerpoint/2010/main" val="2976233357"/>
               </p:ext>
             </p:extLst>
           </p:nvPr>
@@ -4784,8 +4784,81 @@
                           <a:ea typeface="+mn-ea"/>
                           <a:cs typeface="Calibri"/>
                         </a:rPr>
-                        <a:t>Création de mon site CV – Portfolio </a:t>
-                      </a:r>
+                        <a:t>Création de mon site CV </a:t>
+                      </a:r>
+                      <a:r>
+                        <a:rPr lang="fr-FR" sz="1000" kern="1200" dirty="0" smtClean="0">
+                          <a:solidFill>
+                            <a:schemeClr val="tx1">
+                              <a:lumMod val="65000"/>
+                              <a:lumOff val="35000"/>
+                            </a:schemeClr>
+                          </a:solidFill>
+                          <a:effectLst/>
+                          <a:latin typeface="+mn-lt"/>
+                          <a:ea typeface="+mn-ea"/>
+                          <a:cs typeface="Calibri"/>
+                        </a:rPr>
+                        <a:t>:</a:t>
+                      </a:r>
+                      <a:r>
+                        <a:rPr lang="fr-FR" sz="1000" kern="1200" baseline="0" dirty="0" smtClean="0">
+                          <a:solidFill>
+                            <a:schemeClr val="tx1">
+                              <a:lumMod val="65000"/>
+                              <a:lumOff val="35000"/>
+                            </a:schemeClr>
+                          </a:solidFill>
+                          <a:effectLst/>
+                          <a:latin typeface="+mn-lt"/>
+                          <a:ea typeface="+mn-ea"/>
+                          <a:cs typeface="Calibri"/>
+                        </a:rPr>
+                        <a:t> </a:t>
+                      </a:r>
+                      <a:r>
+                        <a:rPr lang="fr-FR" sz="1000" kern="1200" dirty="0" smtClean="0">
+                          <a:solidFill>
+                            <a:schemeClr val="tx1">
+                              <a:lumMod val="65000"/>
+                              <a:lumOff val="35000"/>
+                            </a:schemeClr>
+                          </a:solidFill>
+                          <a:effectLst/>
+                          <a:latin typeface="+mn-lt"/>
+                          <a:ea typeface="+mn-ea"/>
+                          <a:cs typeface="Calibri"/>
+                          <a:hlinkClick r:id="rId2"/>
+                        </a:rPr>
+                        <a:t>https://legrandflo.github.io/cvFlorenceLegrand/</a:t>
+                      </a:r>
+                      <a:r>
+                        <a:rPr lang="fr-FR" sz="1000" kern="1200" baseline="0" dirty="0" smtClean="0">
+                          <a:solidFill>
+                            <a:schemeClr val="tx1">
+                              <a:lumMod val="65000"/>
+                              <a:lumOff val="35000"/>
+                            </a:schemeClr>
+                          </a:solidFill>
+                          <a:effectLst/>
+                          <a:latin typeface="+mn-lt"/>
+                          <a:ea typeface="+mn-ea"/>
+                          <a:cs typeface="Calibri"/>
+                        </a:rPr>
+                        <a:t> </a:t>
+                      </a:r>
+                      <a:endParaRPr lang="fr-FR" sz="1000" kern="1200" dirty="0" smtClean="0">
+                        <a:solidFill>
+                          <a:schemeClr val="tx1">
+                            <a:lumMod val="65000"/>
+                            <a:lumOff val="35000"/>
+                          </a:schemeClr>
+                        </a:solidFill>
+                        <a:effectLst/>
+                        <a:latin typeface="+mn-lt"/>
+                        <a:ea typeface="+mn-ea"/>
+                        <a:cs typeface="Calibri"/>
+                      </a:endParaRPr>
                     </a:p>
                     <a:p>
                       <a:pPr algn="l"/>
@@ -4802,10 +4875,10 @@
                           <a:ea typeface="+mn-ea"/>
                           <a:cs typeface="Calibri"/>
                         </a:rPr>
-                        <a:t>Utilisation de HTML – CSS </a:t>
-                      </a:r>
-                      <a:r>
-                        <a:rPr lang="fr-FR" sz="1000" kern="1200" dirty="0" smtClean="0">
+                        <a:t>Utilisation de HTML – CSS - </a:t>
+                      </a:r>
+                      <a:r>
+                        <a:rPr lang="fr-FR" sz="1000" kern="1200" dirty="0" err="1" smtClean="0">
                           <a:solidFill>
                             <a:schemeClr val="tx1">
                               <a:lumMod val="65000"/>
@@ -4817,10 +4890,10 @@
                           <a:ea typeface="+mn-ea"/>
                           <a:cs typeface="Calibri"/>
                         </a:rPr>
-                        <a:t>- </a:t>
-                      </a:r>
-                      <a:r>
-                        <a:rPr lang="fr-FR" sz="1000" kern="1200" dirty="0" err="1" smtClean="0">
+                        <a:t>Bootstrap</a:t>
+                      </a:r>
+                      <a:r>
+                        <a:rPr lang="fr-FR" sz="1000" kern="1200" baseline="0" dirty="0" smtClean="0">
                           <a:solidFill>
                             <a:schemeClr val="tx1">
                               <a:lumMod val="65000"/>
@@ -4832,10 +4905,10 @@
                           <a:ea typeface="+mn-ea"/>
                           <a:cs typeface="Calibri"/>
                         </a:rPr>
-                        <a:t>Bootstrap</a:t>
-                      </a:r>
-                      <a:r>
-                        <a:rPr lang="fr-FR" sz="1000" kern="1200" baseline="0" smtClean="0">
+                        <a:t> - </a:t>
+                      </a:r>
+                      <a:r>
+                        <a:rPr lang="fr-FR" sz="1000" kern="1200" baseline="0" dirty="0" err="1" smtClean="0">
                           <a:solidFill>
                             <a:schemeClr val="tx1">
                               <a:lumMod val="65000"/>
@@ -4847,7 +4920,7 @@
                           <a:ea typeface="+mn-ea"/>
                           <a:cs typeface="Calibri"/>
                         </a:rPr>
-                        <a:t> - Javascript</a:t>
+                        <a:t>Javascript</a:t>
                       </a:r>
                       <a:endParaRPr lang="fr-FR" sz="1000" kern="1200" baseline="0" dirty="0" smtClean="0">
                         <a:solidFill>
@@ -7857,7 +7930,7 @@
                           <a:latin typeface="+mn-lt"/>
                           <a:ea typeface="+mn-ea"/>
                           <a:cs typeface="+mn-cs"/>
-                          <a:hlinkClick r:id="rId2"/>
+                          <a:hlinkClick r:id="rId3"/>
                         </a:rPr>
                         <a:t>https://codepen.io/flegrand/pen/mpYQjb</a:t>
                       </a:r>
@@ -7872,7 +7945,7 @@
                         <a:latin typeface="+mn-lt"/>
                         <a:ea typeface="+mn-ea"/>
                         <a:cs typeface="+mn-cs"/>
-                        <a:hlinkClick r:id="rId3"/>
+                        <a:hlinkClick r:id="rId4"/>
                       </a:endParaRPr>
                     </a:p>
                     <a:p>
@@ -7889,7 +7962,7 @@
                           <a:latin typeface="+mn-lt"/>
                           <a:ea typeface="+mn-ea"/>
                           <a:cs typeface="+mn-cs"/>
-                          <a:hlinkClick r:id="rId3"/>
+                          <a:hlinkClick r:id="rId4"/>
                         </a:rPr>
                         <a:t>https://codepen.io/flegrand/pen/jYYyRR</a:t>
                       </a:r>
@@ -7920,7 +7993,7 @@
                           <a:latin typeface="+mn-lt"/>
                           <a:ea typeface="+mn-ea"/>
                           <a:cs typeface="+mn-cs"/>
-                          <a:hlinkClick r:id="rId4"/>
+                          <a:hlinkClick r:id="rId5"/>
                         </a:rPr>
                         <a:t>https://codepen.io/flegrand/pen/VyOVGN</a:t>
                       </a:r>
@@ -8233,7 +8306,7 @@
                           <a:latin typeface="+mn-lt"/>
                           <a:ea typeface="+mn-ea"/>
                           <a:cs typeface="+mn-cs"/>
-                          <a:hlinkClick r:id="rId5"/>
+                          <a:hlinkClick r:id="rId6"/>
                         </a:rPr>
                         <a:t>https://github.com/legrandflo?tab=repositories</a:t>
                       </a:r>
@@ -8394,7 +8467,7 @@
           <p:nvPr/>
         </p:nvPicPr>
         <p:blipFill>
-          <a:blip r:embed="rId6">
+          <a:blip r:embed="rId7">
             <a:extLst>
               <a:ext uri="{28A0092B-C50C-407E-A947-70E740481C1C}">
                 <a14:useLocalDpi xmlns:a14="http://schemas.microsoft.com/office/drawing/2010/main" val="0"/>
@@ -8510,7 +8583,7 @@
           <p:nvPr/>
         </p:nvPicPr>
         <p:blipFill>
-          <a:blip r:embed="rId7">
+          <a:blip r:embed="rId8">
             <a:duotone>
               <a:schemeClr val="accent3">
                 <a:shade val="45000"/>
@@ -8521,7 +8594,7 @@
             <a:extLst>
               <a:ext uri="{BEBA8EAE-BF5A-486C-A8C5-ECC9F3942E4B}">
                 <a14:imgProps xmlns:a14="http://schemas.microsoft.com/office/drawing/2010/main">
-                  <a14:imgLayer r:embed="rId8">
+                  <a14:imgLayer r:embed="rId9">
                     <a14:imgEffect>
                       <a14:colorTemperature colorTemp="5300"/>
                     </a14:imgEffect>
@@ -8564,7 +8637,7 @@
           <p:nvPr/>
         </p:nvPicPr>
         <p:blipFill>
-          <a:blip r:embed="rId9">
+          <a:blip r:embed="rId10">
             <a:duotone>
               <a:schemeClr val="accent3">
                 <a:shade val="45000"/>
@@ -8575,7 +8648,7 @@
             <a:extLst>
               <a:ext uri="{BEBA8EAE-BF5A-486C-A8C5-ECC9F3942E4B}">
                 <a14:imgProps xmlns:a14="http://schemas.microsoft.com/office/drawing/2010/main">
-                  <a14:imgLayer r:embed="rId10">
+                  <a14:imgLayer r:embed="rId11">
                     <a14:imgEffect>
                       <a14:brightnessContrast bright="-40000"/>
                     </a14:imgEffect>
@@ -8610,7 +8683,7 @@
           <p:nvPr/>
         </p:nvPicPr>
         <p:blipFill>
-          <a:blip r:embed="rId11">
+          <a:blip r:embed="rId12">
             <a:duotone>
               <a:schemeClr val="accent3">
                 <a:shade val="45000"/>
@@ -8641,7 +8714,7 @@
       <p:pic>
         <p:nvPicPr>
           <p:cNvPr id="82" name="Image 81">
-            <a:hlinkClick r:id="rId12"/>
+            <a:hlinkClick r:id="rId13"/>
           </p:cNvPr>
           <p:cNvPicPr>
             <a:picLocks noChangeAspect="1"/>
@@ -8649,7 +8722,7 @@
           <p:nvPr/>
         </p:nvPicPr>
         <p:blipFill>
-          <a:blip r:embed="rId13">
+          <a:blip r:embed="rId14">
             <a:extLst>
               <a:ext uri="{28A0092B-C50C-407E-A947-70E740481C1C}">
                 <a14:useLocalDpi xmlns:a14="http://schemas.microsoft.com/office/drawing/2010/main" val="0"/>
@@ -8662,7 +8735,7 @@
         </p:blipFill>
         <p:spPr>
           <a:xfrm>
-            <a:off x="5275713" y="3211985"/>
+            <a:off x="4987455" y="3211985"/>
             <a:ext cx="252000" cy="252000"/>
           </a:xfrm>
           <a:prstGeom prst="rect">
@@ -8673,7 +8746,7 @@
       <p:pic>
         <p:nvPicPr>
           <p:cNvPr id="83" name="Image 82">
-            <a:hlinkClick r:id="rId14"/>
+            <a:hlinkClick r:id="rId15"/>
           </p:cNvPr>
           <p:cNvPicPr>
             <a:picLocks noChangeAspect="1"/>
@@ -8681,7 +8754,7 @@
           <p:nvPr/>
         </p:nvPicPr>
         <p:blipFill>
-          <a:blip r:embed="rId15">
+          <a:blip r:embed="rId16">
             <a:extLst>
               <a:ext uri="{28A0092B-C50C-407E-A947-70E740481C1C}">
                 <a14:useLocalDpi xmlns:a14="http://schemas.microsoft.com/office/drawing/2010/main" val="0"/>
@@ -8694,7 +8767,7 @@
         </p:blipFill>
         <p:spPr>
           <a:xfrm>
-            <a:off x="5820770" y="3266576"/>
+            <a:off x="5594011" y="3266576"/>
             <a:ext cx="221311" cy="180000"/>
           </a:xfrm>
           <a:prstGeom prst="rect">
@@ -8711,7 +8784,7 @@
           <p:nvPr/>
         </p:nvPicPr>
         <p:blipFill>
-          <a:blip r:embed="rId16">
+          <a:blip r:embed="rId17">
             <a:duotone>
               <a:schemeClr val="accent3">
                 <a:shade val="45000"/>
@@ -8781,7 +8854,7 @@
           <p:nvPr/>
         </p:nvPicPr>
         <p:blipFill>
-          <a:blip r:embed="rId17">
+          <a:blip r:embed="rId18">
             <a:duotone>
               <a:schemeClr val="accent3">
                 <a:shade val="45000"/>
@@ -8849,7 +8922,7 @@
           <p:nvPr/>
         </p:nvPicPr>
         <p:blipFill>
-          <a:blip r:embed="rId18">
+          <a:blip r:embed="rId19">
             <a:duotone>
               <a:schemeClr val="accent3">
                 <a:shade val="45000"/>
@@ -8886,7 +8959,7 @@
           <p:nvPr/>
         </p:nvPicPr>
         <p:blipFill>
-          <a:blip r:embed="rId19">
+          <a:blip r:embed="rId20">
             <a:duotone>
               <a:schemeClr val="accent3">
                 <a:shade val="45000"/>
@@ -8956,7 +9029,7 @@
           <p:nvPr/>
         </p:nvPicPr>
         <p:blipFill>
-          <a:blip r:embed="rId20">
+          <a:blip r:embed="rId21">
             <a:duotone>
               <a:schemeClr val="accent3">
                 <a:shade val="45000"/>
@@ -9026,7 +9099,7 @@
           <p:nvPr/>
         </p:nvPicPr>
         <p:blipFill>
-          <a:blip r:embed="rId21">
+          <a:blip r:embed="rId22">
             <a:duotone>
               <a:schemeClr val="accent3">
                 <a:shade val="45000"/>
@@ -9067,7 +9140,7 @@
           <p:nvPr/>
         </p:nvPicPr>
         <p:blipFill>
-          <a:blip r:embed="rId22">
+          <a:blip r:embed="rId23">
             <a:duotone>
               <a:schemeClr val="accent3">
                 <a:shade val="45000"/>
@@ -9128,6 +9201,48 @@
           </a:extLst>
         </p:spPr>
       </p:pic>
+      <p:sp>
+        <p:nvSpPr>
+          <p:cNvPr id="5" name="ZoneTexte 4"/>
+          <p:cNvSpPr txBox="1"/>
+          <p:nvPr/>
+        </p:nvSpPr>
+        <p:spPr>
+          <a:xfrm>
+            <a:off x="6123714" y="3168708"/>
+            <a:ext cx="415498" cy="338554"/>
+          </a:xfrm>
+          <a:prstGeom prst="rect">
+            <a:avLst/>
+          </a:prstGeom>
+          <a:noFill/>
+          <a:ln>
+            <a:noFill/>
+          </a:ln>
+        </p:spPr>
+        <p:txBody>
+          <a:bodyPr wrap="none" rtlCol="0">
+            <a:spAutoFit/>
+          </a:bodyPr>
+          <a:lstStyle/>
+          <a:p>
+            <a:r>
+              <a:rPr lang="fr-FR" sz="1600" b="1" dirty="0" smtClean="0">
+                <a:solidFill>
+                  <a:schemeClr val="accent1"/>
+                </a:solidFill>
+                <a:hlinkClick r:id="rId2"/>
+              </a:rPr>
+              <a:t>CV</a:t>
+            </a:r>
+            <a:endParaRPr lang="fr-FR" sz="1600" b="1" dirty="0">
+              <a:solidFill>
+                <a:schemeClr val="accent1"/>
+              </a:solidFill>
+            </a:endParaRPr>
+          </a:p>
+        </p:txBody>
+      </p:sp>
     </p:spTree>
     <p:extLst>
       <p:ext uri="{BB962C8B-B14F-4D97-AF65-F5344CB8AC3E}">
@@ -9403,7 +9518,7 @@
   <a:extraClrSchemeLst/>
   <a:extLst>
     <a:ext uri="{05A4C25C-085E-4340-85A3-A5531E510DB2}">
-      <thm15:themeFamily xmlns="" xmlns:thm15="http://schemas.microsoft.com/office/thememl/2012/main" name="Office Theme" id="{62F939B6-93AF-4DB8-9C6B-D6C7DFDC589F}" vid="{4A3C46E8-61CC-4603-A589-7422A47A8E4A}"/>
+      <thm15:themeFamily xmlns:thm15="http://schemas.microsoft.com/office/thememl/2012/main" xmlns="" name="Office Theme" id="{62F939B6-93AF-4DB8-9C6B-D6C7DFDC589F}" vid="{4A3C46E8-61CC-4603-A589-7422A47A8E4A}"/>
     </a:ext>
   </a:extLst>
 </a:theme>
